--- a/materials/slides/ch07.pptx
+++ b/materials/slides/ch07.pptx
@@ -6422,16 +6422,12 @@
             <a:buNone/>
           </a:pPr>
           <a:r>
-            <a:rPr lang="zh-CN" sz="1500" kern="1200" dirty="0">
+            <a:rPr lang="zh-CN" altLang="en-US" sz="1500" kern="1200" dirty="0">
               <a:latin typeface="微软雅黑" pitchFamily="34" charset="-122"/>
               <a:ea typeface="微软雅黑" pitchFamily="34" charset="-122"/>
             </a:rPr>
             <a:t>在构造树的过程中，需要对数据集进行多次的顺序扫描和排序，因而导致算法的低效</a:t>
           </a:r>
-          <a:endParaRPr lang="zh-CN" altLang="en-US" sz="1500" kern="1200" dirty="0">
-            <a:latin typeface="微软雅黑" pitchFamily="34" charset="-122"/>
-            <a:ea typeface="微软雅黑" pitchFamily="34" charset="-122"/>
-          </a:endParaRPr>
         </a:p>
       </dsp:txBody>
       <dsp:txXfrm>
@@ -15612,7 +15608,6 @@
           <a:ln>
             <a:noFill/>
           </a:ln>
-          <a:extLst/>
         </p:spPr>
         <p:txBody>
           <a:bodyPr>
@@ -15832,7 +15827,6 @@
           <a:ln>
             <a:noFill/>
           </a:ln>
-          <a:extLst/>
         </p:spPr>
         <p:txBody>
           <a:bodyPr wrap="none" anchor="ctr"/>
@@ -15984,7 +15978,6 @@
           <a:ln>
             <a:noFill/>
           </a:ln>
-          <a:extLst/>
         </p:spPr>
         <p:txBody>
           <a:bodyPr wrap="none" anchor="ctr"/>
@@ -16132,7 +16125,6 @@
           <a:ln>
             <a:noFill/>
           </a:ln>
-          <a:extLst/>
         </p:spPr>
         <p:txBody>
           <a:bodyPr/>
@@ -17685,7 +17677,7 @@
               <a:pPr>
                 <a:defRPr/>
               </a:pPr>
-              <a:t>2018/3/28</a:t>
+              <a:t>2019/7/16</a:t>
             </a:fld>
             <a:endParaRPr lang="zh-CN" altLang="en-US"/>
           </a:p>
@@ -18004,7 +17996,7 @@
               <a:pPr>
                 <a:defRPr/>
               </a:pPr>
-              <a:t>2018/3/28</a:t>
+              <a:t>2019/7/16</a:t>
             </a:fld>
             <a:endParaRPr lang="zh-CN" altLang="en-US"/>
           </a:p>
@@ -19427,7 +19419,7 @@
           <a:graphicData uri="http://schemas.openxmlformats.org/presentationml/2006/ole">
             <mc:AlternateContent xmlns:mc="http://schemas.openxmlformats.org/markup-compatibility/2006">
               <mc:Choice xmlns:v="urn:schemas-microsoft-com:vml" Requires="v">
-                <p:oleObj spid="_x0000_s26690" name="Equation" r:id="rId3" imgW="838080" imgH="431640" progId="Equation.DSMT4">
+                <p:oleObj spid="_x0000_s26693" name="Equation" r:id="rId3" imgW="838080" imgH="431640" progId="Equation.DSMT4">
                   <p:embed/>
                 </p:oleObj>
               </mc:Choice>
@@ -19522,7 +19514,7 @@
           <a:graphicData uri="http://schemas.openxmlformats.org/presentationml/2006/ole">
             <mc:AlternateContent xmlns:mc="http://schemas.openxmlformats.org/markup-compatibility/2006">
               <mc:Choice xmlns:v="urn:schemas-microsoft-com:vml" Requires="v">
-                <p:oleObj spid="_x0000_s26691" name="Equation" r:id="rId5" imgW="672840" imgH="393480" progId="Equation.DSMT4">
+                <p:oleObj spid="_x0000_s26694" name="Equation" r:id="rId5" imgW="672840" imgH="393480" progId="Equation.DSMT4">
                   <p:embed/>
                 </p:oleObj>
               </mc:Choice>
@@ -19719,7 +19711,7 @@
           <a:graphicData uri="http://schemas.openxmlformats.org/presentationml/2006/ole">
             <mc:AlternateContent xmlns:mc="http://schemas.openxmlformats.org/markup-compatibility/2006">
               <mc:Choice xmlns:v="urn:schemas-microsoft-com:vml" Requires="v">
-                <p:oleObj spid="_x0000_s26692" name="Equation" r:id="rId9" imgW="596880" imgH="203040" progId="Equation.DSMT4">
+                <p:oleObj spid="_x0000_s26695" name="Equation" r:id="rId9" imgW="596880" imgH="203040" progId="Equation.DSMT4">
                   <p:embed/>
                 </p:oleObj>
               </mc:Choice>
@@ -19867,7 +19859,7 @@
           <a:graphicData uri="http://schemas.openxmlformats.org/presentationml/2006/ole">
             <mc:AlternateContent xmlns:mc="http://schemas.openxmlformats.org/markup-compatibility/2006">
               <mc:Choice xmlns:v="urn:schemas-microsoft-com:vml" Requires="v">
-                <p:oleObj spid="_x0000_s27692" name="Equation" r:id="rId3" imgW="533160" imgH="228600" progId="Equation.DSMT4">
+                <p:oleObj spid="_x0000_s27694" name="Equation" r:id="rId3" imgW="533160" imgH="228600" progId="Equation.DSMT4">
                   <p:embed/>
                 </p:oleObj>
               </mc:Choice>
@@ -19962,7 +19954,7 @@
           <a:graphicData uri="http://schemas.openxmlformats.org/presentationml/2006/ole">
             <mc:AlternateContent xmlns:mc="http://schemas.openxmlformats.org/markup-compatibility/2006">
               <mc:Choice xmlns:v="urn:schemas-microsoft-com:vml" Requires="v">
-                <p:oleObj spid="_x0000_s27693" name="Equation" r:id="rId5" imgW="3632040" imgH="406080" progId="Equation.DSMT4">
+                <p:oleObj spid="_x0000_s27695" name="Equation" r:id="rId5" imgW="3632040" imgH="406080" progId="Equation.DSMT4">
                   <p:embed/>
                 </p:oleObj>
               </mc:Choice>
@@ -23592,7 +23584,7 @@
           <a:graphicData uri="http://schemas.openxmlformats.org/presentationml/2006/ole">
             <mc:AlternateContent xmlns:mc="http://schemas.openxmlformats.org/markup-compatibility/2006">
               <mc:Choice xmlns:v="urn:schemas-microsoft-com:vml" Requires="v">
-                <p:oleObj spid="_x0000_s34841" name="Equation" r:id="rId3" imgW="2019240" imgH="228600" progId="Equation.DSMT4">
+                <p:oleObj spid="_x0000_s34842" name="Equation" r:id="rId3" imgW="2019240" imgH="228600" progId="Equation.DSMT4">
                   <p:embed/>
                 </p:oleObj>
               </mc:Choice>
@@ -29550,7 +29542,7 @@
           <a:graphicData uri="http://schemas.openxmlformats.org/presentationml/2006/ole">
             <mc:AlternateContent xmlns:mc="http://schemas.openxmlformats.org/markup-compatibility/2006">
               <mc:Choice xmlns:v="urn:schemas-microsoft-com:vml" Requires="v">
-                <p:oleObj spid="_x0000_s49436" name="Equation" r:id="rId3" imgW="228600" imgH="241200" progId="Equation.DSMT4">
+                <p:oleObj spid="_x0000_s49450" name="Equation" r:id="rId3" imgW="228600" imgH="241200" progId="Equation.DSMT4">
                   <p:embed/>
                 </p:oleObj>
               </mc:Choice>
@@ -29639,7 +29631,7 @@
           <a:graphicData uri="http://schemas.openxmlformats.org/presentationml/2006/ole">
             <mc:AlternateContent xmlns:mc="http://schemas.openxmlformats.org/markup-compatibility/2006">
               <mc:Choice xmlns:v="urn:schemas-microsoft-com:vml" Requires="v">
-                <p:oleObj spid="_x0000_s49437" name="Equation" r:id="rId5" imgW="495000" imgH="241200" progId="Equation.DSMT4">
+                <p:oleObj spid="_x0000_s49451" name="Equation" r:id="rId5" imgW="495000" imgH="241200" progId="Equation.DSMT4">
                   <p:embed/>
                 </p:oleObj>
               </mc:Choice>
@@ -29728,7 +29720,7 @@
           <a:graphicData uri="http://schemas.openxmlformats.org/presentationml/2006/ole">
             <mc:AlternateContent xmlns:mc="http://schemas.openxmlformats.org/markup-compatibility/2006">
               <mc:Choice xmlns:v="urn:schemas-microsoft-com:vml" Requires="v">
-                <p:oleObj spid="_x0000_s49438" name="Equation" r:id="rId7" imgW="253800" imgH="203040" progId="Equation.DSMT4">
+                <p:oleObj spid="_x0000_s49452" name="Equation" r:id="rId7" imgW="253800" imgH="203040" progId="Equation.DSMT4">
                   <p:embed/>
                 </p:oleObj>
               </mc:Choice>
@@ -29817,7 +29809,7 @@
           <a:graphicData uri="http://schemas.openxmlformats.org/presentationml/2006/ole">
             <mc:AlternateContent xmlns:mc="http://schemas.openxmlformats.org/markup-compatibility/2006">
               <mc:Choice xmlns:v="urn:schemas-microsoft-com:vml" Requires="v">
-                <p:oleObj spid="_x0000_s49439" name="Equation" r:id="rId9" imgW="2349360" imgH="241200" progId="Equation.DSMT4">
+                <p:oleObj spid="_x0000_s49453" name="Equation" r:id="rId9" imgW="2349360" imgH="241200" progId="Equation.DSMT4">
                   <p:embed/>
                 </p:oleObj>
               </mc:Choice>
@@ -29906,7 +29898,7 @@
           <a:graphicData uri="http://schemas.openxmlformats.org/presentationml/2006/ole">
             <mc:AlternateContent xmlns:mc="http://schemas.openxmlformats.org/markup-compatibility/2006">
               <mc:Choice xmlns:v="urn:schemas-microsoft-com:vml" Requires="v">
-                <p:oleObj spid="_x0000_s49440" name="Equation" r:id="rId11" imgW="2349360" imgH="241200" progId="Equation.DSMT4">
+                <p:oleObj spid="_x0000_s49454" name="Equation" r:id="rId11" imgW="2349360" imgH="241200" progId="Equation.DSMT4">
                   <p:embed/>
                 </p:oleObj>
               </mc:Choice>
@@ -29995,7 +29987,7 @@
           <a:graphicData uri="http://schemas.openxmlformats.org/presentationml/2006/ole">
             <mc:AlternateContent xmlns:mc="http://schemas.openxmlformats.org/markup-compatibility/2006">
               <mc:Choice xmlns:v="urn:schemas-microsoft-com:vml" Requires="v">
-                <p:oleObj spid="_x0000_s49441" name="Equation" r:id="rId13" imgW="2349360" imgH="241200" progId="Equation.DSMT4">
+                <p:oleObj spid="_x0000_s49455" name="Equation" r:id="rId13" imgW="2349360" imgH="241200" progId="Equation.DSMT4">
                   <p:embed/>
                 </p:oleObj>
               </mc:Choice>
@@ -30084,7 +30076,7 @@
           <a:graphicData uri="http://schemas.openxmlformats.org/presentationml/2006/ole">
             <mc:AlternateContent xmlns:mc="http://schemas.openxmlformats.org/markup-compatibility/2006">
               <mc:Choice xmlns:v="urn:schemas-microsoft-com:vml" Requires="v">
-                <p:oleObj spid="_x0000_s49442" name="Equation" r:id="rId15" imgW="228600" imgH="241200" progId="Equation.DSMT4">
+                <p:oleObj spid="_x0000_s49456" name="Equation" r:id="rId15" imgW="228600" imgH="241200" progId="Equation.DSMT4">
                   <p:embed/>
                 </p:oleObj>
               </mc:Choice>
@@ -30173,7 +30165,7 @@
           <a:graphicData uri="http://schemas.openxmlformats.org/presentationml/2006/ole">
             <mc:AlternateContent xmlns:mc="http://schemas.openxmlformats.org/markup-compatibility/2006">
               <mc:Choice xmlns:v="urn:schemas-microsoft-com:vml" Requires="v">
-                <p:oleObj spid="_x0000_s49443" name="Equation" r:id="rId17" imgW="1295280" imgH="444240" progId="Equation.DSMT4">
+                <p:oleObj spid="_x0000_s49457" name="Equation" r:id="rId17" imgW="1295280" imgH="444240" progId="Equation.DSMT4">
                   <p:embed/>
                 </p:oleObj>
               </mc:Choice>
@@ -30262,7 +30254,7 @@
           <a:graphicData uri="http://schemas.openxmlformats.org/presentationml/2006/ole">
             <mc:AlternateContent xmlns:mc="http://schemas.openxmlformats.org/markup-compatibility/2006">
               <mc:Choice xmlns:v="urn:schemas-microsoft-com:vml" Requires="v">
-                <p:oleObj spid="_x0000_s49444" name="Equation" r:id="rId19" imgW="736560" imgH="241200" progId="Equation.DSMT4">
+                <p:oleObj spid="_x0000_s49458" name="Equation" r:id="rId19" imgW="736560" imgH="241200" progId="Equation.DSMT4">
                   <p:embed/>
                 </p:oleObj>
               </mc:Choice>
@@ -30351,7 +30343,7 @@
           <a:graphicData uri="http://schemas.openxmlformats.org/presentationml/2006/ole">
             <mc:AlternateContent xmlns:mc="http://schemas.openxmlformats.org/markup-compatibility/2006">
               <mc:Choice xmlns:v="urn:schemas-microsoft-com:vml" Requires="v">
-                <p:oleObj spid="_x0000_s49445" name="Equation" r:id="rId21" imgW="1231560" imgH="482400" progId="Equation.DSMT4">
+                <p:oleObj spid="_x0000_s49459" name="Equation" r:id="rId21" imgW="1231560" imgH="482400" progId="Equation.DSMT4">
                   <p:embed/>
                 </p:oleObj>
               </mc:Choice>
@@ -30440,7 +30432,7 @@
           <a:graphicData uri="http://schemas.openxmlformats.org/presentationml/2006/ole">
             <mc:AlternateContent xmlns:mc="http://schemas.openxmlformats.org/markup-compatibility/2006">
               <mc:Choice xmlns:v="urn:schemas-microsoft-com:vml" Requires="v">
-                <p:oleObj spid="_x0000_s49446" name="Equation" r:id="rId23" imgW="1041120" imgH="203040" progId="Equation.DSMT4">
+                <p:oleObj spid="_x0000_s49460" name="Equation" r:id="rId23" imgW="1041120" imgH="203040" progId="Equation.DSMT4">
                   <p:embed/>
                 </p:oleObj>
               </mc:Choice>
@@ -30529,7 +30521,7 @@
           <a:graphicData uri="http://schemas.openxmlformats.org/presentationml/2006/ole">
             <mc:AlternateContent xmlns:mc="http://schemas.openxmlformats.org/markup-compatibility/2006">
               <mc:Choice xmlns:v="urn:schemas-microsoft-com:vml" Requires="v">
-                <p:oleObj spid="_x0000_s49447" name="Equation" r:id="rId25" imgW="838080" imgH="228600" progId="Equation.DSMT4">
+                <p:oleObj spid="_x0000_s49461" name="Equation" r:id="rId25" imgW="838080" imgH="228600" progId="Equation.DSMT4">
                   <p:embed/>
                 </p:oleObj>
               </mc:Choice>
@@ -30618,7 +30610,7 @@
           <a:graphicData uri="http://schemas.openxmlformats.org/presentationml/2006/ole">
             <mc:AlternateContent xmlns:mc="http://schemas.openxmlformats.org/markup-compatibility/2006">
               <mc:Choice xmlns:v="urn:schemas-microsoft-com:vml" Requires="v">
-                <p:oleObj spid="_x0000_s49448" name="Equation" r:id="rId27" imgW="1206360" imgH="203040" progId="Equation.DSMT4">
+                <p:oleObj spid="_x0000_s49462" name="Equation" r:id="rId27" imgW="1206360" imgH="203040" progId="Equation.DSMT4">
                   <p:embed/>
                 </p:oleObj>
               </mc:Choice>
@@ -30707,7 +30699,7 @@
           <a:graphicData uri="http://schemas.openxmlformats.org/presentationml/2006/ole">
             <mc:AlternateContent xmlns:mc="http://schemas.openxmlformats.org/markup-compatibility/2006">
               <mc:Choice xmlns:v="urn:schemas-microsoft-com:vml" Requires="v">
-                <p:oleObj spid="_x0000_s49449" name="Equation" r:id="rId29" imgW="1409400" imgH="253800" progId="Equation.DSMT4">
+                <p:oleObj spid="_x0000_s49463" name="Equation" r:id="rId29" imgW="1409400" imgH="253800" progId="Equation.DSMT4">
                   <p:embed/>
                 </p:oleObj>
               </mc:Choice>
@@ -30892,7 +30884,7 @@
           <a:graphicData uri="http://schemas.openxmlformats.org/presentationml/2006/ole">
             <mc:AlternateContent xmlns:mc="http://schemas.openxmlformats.org/markup-compatibility/2006">
               <mc:Choice xmlns:v="urn:schemas-microsoft-com:vml" Requires="v">
-                <p:oleObj spid="_x0000_s50201" name="Equation" r:id="rId3" imgW="469800" imgH="241200" progId="Equation.DSMT4">
+                <p:oleObj spid="_x0000_s50202" name="Equation" r:id="rId3" imgW="469800" imgH="241200" progId="Equation.DSMT4">
                   <p:embed/>
                 </p:oleObj>
               </mc:Choice>
@@ -31251,7 +31243,7 @@
           <a:graphicData uri="http://schemas.openxmlformats.org/presentationml/2006/ole">
             <mc:AlternateContent xmlns:mc="http://schemas.openxmlformats.org/markup-compatibility/2006">
               <mc:Choice xmlns:v="urn:schemas-microsoft-com:vml" Requires="v">
-                <p:oleObj spid="_x0000_s51324" name="Equation" r:id="rId3" imgW="1625400" imgH="228600" progId="Equation.DSMT4">
+                <p:oleObj spid="_x0000_s51330" name="Equation" r:id="rId3" imgW="1625400" imgH="228600" progId="Equation.DSMT4">
                   <p:embed/>
                 </p:oleObj>
               </mc:Choice>
@@ -31340,7 +31332,7 @@
           <a:graphicData uri="http://schemas.openxmlformats.org/presentationml/2006/ole">
             <mc:AlternateContent xmlns:mc="http://schemas.openxmlformats.org/markup-compatibility/2006">
               <mc:Choice xmlns:v="urn:schemas-microsoft-com:vml" Requires="v">
-                <p:oleObj spid="_x0000_s51325" name="Equation" r:id="rId5" imgW="609480" imgH="228600" progId="Equation.DSMT4">
+                <p:oleObj spid="_x0000_s51331" name="Equation" r:id="rId5" imgW="609480" imgH="228600" progId="Equation.DSMT4">
                   <p:embed/>
                 </p:oleObj>
               </mc:Choice>
@@ -31429,7 +31421,7 @@
           <a:graphicData uri="http://schemas.openxmlformats.org/presentationml/2006/ole">
             <mc:AlternateContent xmlns:mc="http://schemas.openxmlformats.org/markup-compatibility/2006">
               <mc:Choice xmlns:v="urn:schemas-microsoft-com:vml" Requires="v">
-                <p:oleObj spid="_x0000_s51326" name="Equation" r:id="rId7" imgW="2311200" imgH="393480" progId="Equation.DSMT4">
+                <p:oleObj spid="_x0000_s51332" name="Equation" r:id="rId7" imgW="2311200" imgH="393480" progId="Equation.DSMT4">
                   <p:embed/>
                 </p:oleObj>
               </mc:Choice>
@@ -31518,7 +31510,7 @@
           <a:graphicData uri="http://schemas.openxmlformats.org/presentationml/2006/ole">
             <mc:AlternateContent xmlns:mc="http://schemas.openxmlformats.org/markup-compatibility/2006">
               <mc:Choice xmlns:v="urn:schemas-microsoft-com:vml" Requires="v">
-                <p:oleObj spid="_x0000_s51327" name="Equation" r:id="rId9" imgW="3301920" imgH="457200" progId="Equation.DSMT4">
+                <p:oleObj spid="_x0000_s51333" name="Equation" r:id="rId9" imgW="3301920" imgH="457200" progId="Equation.DSMT4">
                   <p:embed/>
                 </p:oleObj>
               </mc:Choice>
@@ -31607,7 +31599,7 @@
           <a:graphicData uri="http://schemas.openxmlformats.org/presentationml/2006/ole">
             <mc:AlternateContent xmlns:mc="http://schemas.openxmlformats.org/markup-compatibility/2006">
               <mc:Choice xmlns:v="urn:schemas-microsoft-com:vml" Requires="v">
-                <p:oleObj spid="_x0000_s51328" name="Equation" r:id="rId11" imgW="1815840" imgH="444240" progId="Equation.DSMT4">
+                <p:oleObj spid="_x0000_s51334" name="Equation" r:id="rId11" imgW="1815840" imgH="444240" progId="Equation.DSMT4">
                   <p:embed/>
                 </p:oleObj>
               </mc:Choice>
@@ -31696,7 +31688,7 @@
           <a:graphicData uri="http://schemas.openxmlformats.org/presentationml/2006/ole">
             <mc:AlternateContent xmlns:mc="http://schemas.openxmlformats.org/markup-compatibility/2006">
               <mc:Choice xmlns:v="urn:schemas-microsoft-com:vml" Requires="v">
-                <p:oleObj spid="_x0000_s51329" name="Equation" r:id="rId13" imgW="1612800" imgH="431640" progId="Equation.DSMT4">
+                <p:oleObj spid="_x0000_s51335" name="Equation" r:id="rId13" imgW="1612800" imgH="431640" progId="Equation.DSMT4">
                   <p:embed/>
                 </p:oleObj>
               </mc:Choice>
@@ -32239,7 +32231,7 @@
           <a:graphicData uri="http://schemas.openxmlformats.org/presentationml/2006/ole">
             <mc:AlternateContent xmlns:mc="http://schemas.openxmlformats.org/markup-compatibility/2006">
               <mc:Choice xmlns:v="urn:schemas-microsoft-com:vml" Requires="v">
-                <p:oleObj spid="_x0000_s53412" name="Equation" r:id="rId3" imgW="571320" imgH="228600" progId="Equation.DSMT4">
+                <p:oleObj spid="_x0000_s53420" name="Equation" r:id="rId3" imgW="571320" imgH="228600" progId="Equation.DSMT4">
                   <p:embed/>
                 </p:oleObj>
               </mc:Choice>
@@ -32328,7 +32320,7 @@
           <a:graphicData uri="http://schemas.openxmlformats.org/presentationml/2006/ole">
             <mc:AlternateContent xmlns:mc="http://schemas.openxmlformats.org/markup-compatibility/2006">
               <mc:Choice xmlns:v="urn:schemas-microsoft-com:vml" Requires="v">
-                <p:oleObj spid="_x0000_s53413" name="Equation" r:id="rId5" imgW="203040" imgH="241200" progId="Equation.DSMT4">
+                <p:oleObj spid="_x0000_s53421" name="Equation" r:id="rId5" imgW="203040" imgH="241200" progId="Equation.DSMT4">
                   <p:embed/>
                 </p:oleObj>
               </mc:Choice>
@@ -32417,7 +32409,7 @@
           <a:graphicData uri="http://schemas.openxmlformats.org/presentationml/2006/ole">
             <mc:AlternateContent xmlns:mc="http://schemas.openxmlformats.org/markup-compatibility/2006">
               <mc:Choice xmlns:v="urn:schemas-microsoft-com:vml" Requires="v">
-                <p:oleObj spid="_x0000_s53414" name="Equation" r:id="rId7" imgW="152280" imgH="228600" progId="Equation.DSMT4">
+                <p:oleObj spid="_x0000_s53422" name="Equation" r:id="rId7" imgW="152280" imgH="228600" progId="Equation.DSMT4">
                   <p:embed/>
                 </p:oleObj>
               </mc:Choice>
@@ -32506,7 +32498,7 @@
           <a:graphicData uri="http://schemas.openxmlformats.org/presentationml/2006/ole">
             <mc:AlternateContent xmlns:mc="http://schemas.openxmlformats.org/markup-compatibility/2006">
               <mc:Choice xmlns:v="urn:schemas-microsoft-com:vml" Requires="v">
-                <p:oleObj spid="_x0000_s53415" name="Equation" r:id="rId9" imgW="1714320" imgH="228600" progId="Equation.DSMT4">
+                <p:oleObj spid="_x0000_s53423" name="Equation" r:id="rId9" imgW="1714320" imgH="228600" progId="Equation.DSMT4">
                   <p:embed/>
                 </p:oleObj>
               </mc:Choice>
@@ -32595,7 +32587,7 @@
           <a:graphicData uri="http://schemas.openxmlformats.org/presentationml/2006/ole">
             <mc:AlternateContent xmlns:mc="http://schemas.openxmlformats.org/markup-compatibility/2006">
               <mc:Choice xmlns:v="urn:schemas-microsoft-com:vml" Requires="v">
-                <p:oleObj spid="_x0000_s53416" name="Equation" r:id="rId11" imgW="1257120" imgH="228600" progId="Equation.DSMT4">
+                <p:oleObj spid="_x0000_s53424" name="Equation" r:id="rId11" imgW="1257120" imgH="228600" progId="Equation.DSMT4">
                   <p:embed/>
                 </p:oleObj>
               </mc:Choice>
@@ -32684,7 +32676,7 @@
           <a:graphicData uri="http://schemas.openxmlformats.org/presentationml/2006/ole">
             <mc:AlternateContent xmlns:mc="http://schemas.openxmlformats.org/markup-compatibility/2006">
               <mc:Choice xmlns:v="urn:schemas-microsoft-com:vml" Requires="v">
-                <p:oleObj spid="_x0000_s53417" name="Equation" r:id="rId13" imgW="1803240" imgH="228600" progId="Equation.DSMT4">
+                <p:oleObj spid="_x0000_s53425" name="Equation" r:id="rId13" imgW="1803240" imgH="228600" progId="Equation.DSMT4">
                   <p:embed/>
                 </p:oleObj>
               </mc:Choice>
@@ -32773,7 +32765,7 @@
           <a:graphicData uri="http://schemas.openxmlformats.org/presentationml/2006/ole">
             <mc:AlternateContent xmlns:mc="http://schemas.openxmlformats.org/markup-compatibility/2006">
               <mc:Choice xmlns:v="urn:schemas-microsoft-com:vml" Requires="v">
-                <p:oleObj spid="_x0000_s53418" name="Equation" r:id="rId15" imgW="1892160" imgH="253800" progId="Equation.DSMT4">
+                <p:oleObj spid="_x0000_s53426" name="Equation" r:id="rId15" imgW="1892160" imgH="253800" progId="Equation.DSMT4">
                   <p:embed/>
                 </p:oleObj>
               </mc:Choice>
@@ -32862,7 +32854,7 @@
           <a:graphicData uri="http://schemas.openxmlformats.org/presentationml/2006/ole">
             <mc:AlternateContent xmlns:mc="http://schemas.openxmlformats.org/markup-compatibility/2006">
               <mc:Choice xmlns:v="urn:schemas-microsoft-com:vml" Requires="v">
-                <p:oleObj spid="_x0000_s53419" name="Equation" r:id="rId17" imgW="1473120" imgH="253800" progId="Equation.DSMT4">
+                <p:oleObj spid="_x0000_s53427" name="Equation" r:id="rId17" imgW="1473120" imgH="253800" progId="Equation.DSMT4">
                   <p:embed/>
                 </p:oleObj>
               </mc:Choice>
@@ -33397,6 +33389,11 @@
               <a:rPr lang="zh-CN" altLang="zh-CN" dirty="0"/>
               <a:t>回归分析是一项预测性的建模技术。它的目的是通过建立模型来研究因变量和自变量之间的显著关系，即多个自变量对（一个）因变量的影响强度，预测数值型的目标值。</a:t>
             </a:r>
+            <a:r>
+              <a:rPr lang="en-US" altLang="zh-CN"/>
+              <a:t> </a:t>
+            </a:r>
+            <a:endParaRPr lang="zh-CN" altLang="zh-CN" dirty="0"/>
           </a:p>
           <a:p>
             <a:r>
@@ -36202,7 +36199,7 @@
           <a:graphicData uri="http://schemas.openxmlformats.org/presentationml/2006/ole">
             <mc:AlternateContent xmlns:mc="http://schemas.openxmlformats.org/markup-compatibility/2006">
               <mc:Choice xmlns:v="urn:schemas-microsoft-com:vml" Requires="v">
-                <p:oleObj spid="_x0000_s61684" name="Equation" r:id="rId3" imgW="495000" imgH="228600" progId="Equation.DSMT4">
+                <p:oleObj spid="_x0000_s61696" name="Equation" r:id="rId3" imgW="495000" imgH="228600" progId="Equation.DSMT4">
                   <p:embed/>
                 </p:oleObj>
               </mc:Choice>
@@ -36297,7 +36294,7 @@
           <a:graphicData uri="http://schemas.openxmlformats.org/presentationml/2006/ole">
             <mc:AlternateContent xmlns:mc="http://schemas.openxmlformats.org/markup-compatibility/2006">
               <mc:Choice xmlns:v="urn:schemas-microsoft-com:vml" Requires="v">
-                <p:oleObj spid="_x0000_s61685" name="Equation" r:id="rId5" imgW="330120" imgH="228600" progId="Equation.DSMT4">
+                <p:oleObj spid="_x0000_s61697" name="Equation" r:id="rId5" imgW="330120" imgH="228600" progId="Equation.DSMT4">
                   <p:embed/>
                 </p:oleObj>
               </mc:Choice>
@@ -36392,7 +36389,7 @@
           <a:graphicData uri="http://schemas.openxmlformats.org/presentationml/2006/ole">
             <mc:AlternateContent xmlns:mc="http://schemas.openxmlformats.org/markup-compatibility/2006">
               <mc:Choice xmlns:v="urn:schemas-microsoft-com:vml" Requires="v">
-                <p:oleObj spid="_x0000_s61686" name="Equation" r:id="rId7" imgW="177480" imgH="228600" progId="Equation.DSMT4">
+                <p:oleObj spid="_x0000_s61698" name="Equation" r:id="rId7" imgW="177480" imgH="228600" progId="Equation.DSMT4">
                   <p:embed/>
                 </p:oleObj>
               </mc:Choice>
@@ -36481,7 +36478,7 @@
           <a:graphicData uri="http://schemas.openxmlformats.org/presentationml/2006/ole">
             <mc:AlternateContent xmlns:mc="http://schemas.openxmlformats.org/markup-compatibility/2006">
               <mc:Choice xmlns:v="urn:schemas-microsoft-com:vml" Requires="v">
-                <p:oleObj spid="_x0000_s61687" name="Equation" r:id="rId9" imgW="2476440" imgH="431640" progId="Equation.DSMT4">
+                <p:oleObj spid="_x0000_s61699" name="Equation" r:id="rId9" imgW="2476440" imgH="431640" progId="Equation.DSMT4">
                   <p:embed/>
                 </p:oleObj>
               </mc:Choice>
@@ -36576,7 +36573,7 @@
           <a:graphicData uri="http://schemas.openxmlformats.org/presentationml/2006/ole">
             <mc:AlternateContent xmlns:mc="http://schemas.openxmlformats.org/markup-compatibility/2006">
               <mc:Choice xmlns:v="urn:schemas-microsoft-com:vml" Requires="v">
-                <p:oleObj spid="_x0000_s61688" name="Equation" r:id="rId11" imgW="1904760" imgH="431640" progId="Equation.DSMT4">
+                <p:oleObj spid="_x0000_s61700" name="Equation" r:id="rId11" imgW="1904760" imgH="431640" progId="Equation.DSMT4">
                   <p:embed/>
                 </p:oleObj>
               </mc:Choice>
@@ -36671,7 +36668,7 @@
           <a:graphicData uri="http://schemas.openxmlformats.org/presentationml/2006/ole">
             <mc:AlternateContent xmlns:mc="http://schemas.openxmlformats.org/markup-compatibility/2006">
               <mc:Choice xmlns:v="urn:schemas-microsoft-com:vml" Requires="v">
-                <p:oleObj spid="_x0000_s61689" name="Equation" r:id="rId13" imgW="761760" imgH="228600" progId="Equation.DSMT4">
+                <p:oleObj spid="_x0000_s61701" name="Equation" r:id="rId13" imgW="761760" imgH="228600" progId="Equation.DSMT4">
                   <p:embed/>
                 </p:oleObj>
               </mc:Choice>
@@ -36766,7 +36763,7 @@
           <a:graphicData uri="http://schemas.openxmlformats.org/presentationml/2006/ole">
             <mc:AlternateContent xmlns:mc="http://schemas.openxmlformats.org/markup-compatibility/2006">
               <mc:Choice xmlns:v="urn:schemas-microsoft-com:vml" Requires="v">
-                <p:oleObj spid="_x0000_s61690" name="Equation" r:id="rId15" imgW="977760" imgH="228600" progId="Equation.DSMT4">
+                <p:oleObj spid="_x0000_s61702" name="Equation" r:id="rId15" imgW="977760" imgH="228600" progId="Equation.DSMT4">
                   <p:embed/>
                 </p:oleObj>
               </mc:Choice>
@@ -36861,7 +36858,7 @@
           <a:graphicData uri="http://schemas.openxmlformats.org/presentationml/2006/ole">
             <mc:AlternateContent xmlns:mc="http://schemas.openxmlformats.org/markup-compatibility/2006">
               <mc:Choice xmlns:v="urn:schemas-microsoft-com:vml" Requires="v">
-                <p:oleObj spid="_x0000_s61691" name="Equation" r:id="rId17" imgW="990360" imgH="228600" progId="Equation.DSMT4">
+                <p:oleObj spid="_x0000_s61703" name="Equation" r:id="rId17" imgW="990360" imgH="228600" progId="Equation.DSMT4">
                   <p:embed/>
                 </p:oleObj>
               </mc:Choice>
@@ -36956,7 +36953,7 @@
           <a:graphicData uri="http://schemas.openxmlformats.org/presentationml/2006/ole">
             <mc:AlternateContent xmlns:mc="http://schemas.openxmlformats.org/markup-compatibility/2006">
               <mc:Choice xmlns:v="urn:schemas-microsoft-com:vml" Requires="v">
-                <p:oleObj spid="_x0000_s61692" name="Equation" r:id="rId19" imgW="1320480" imgH="228600" progId="Equation.DSMT4">
+                <p:oleObj spid="_x0000_s61704" name="Equation" r:id="rId19" imgW="1320480" imgH="228600" progId="Equation.DSMT4">
                   <p:embed/>
                 </p:oleObj>
               </mc:Choice>
@@ -37051,7 +37048,7 @@
           <a:graphicData uri="http://schemas.openxmlformats.org/presentationml/2006/ole">
             <mc:AlternateContent xmlns:mc="http://schemas.openxmlformats.org/markup-compatibility/2006">
               <mc:Choice xmlns:v="urn:schemas-microsoft-com:vml" Requires="v">
-                <p:oleObj spid="_x0000_s61693" name="Equation" r:id="rId21" imgW="1346040" imgH="228600" progId="Equation.DSMT4">
+                <p:oleObj spid="_x0000_s61705" name="Equation" r:id="rId21" imgW="1346040" imgH="228600" progId="Equation.DSMT4">
                   <p:embed/>
                 </p:oleObj>
               </mc:Choice>
@@ -37146,7 +37143,7 @@
           <a:graphicData uri="http://schemas.openxmlformats.org/presentationml/2006/ole">
             <mc:AlternateContent xmlns:mc="http://schemas.openxmlformats.org/markup-compatibility/2006">
               <mc:Choice xmlns:v="urn:schemas-microsoft-com:vml" Requires="v">
-                <p:oleObj spid="_x0000_s61694" name="Equation" r:id="rId23" imgW="2184120" imgH="228600" progId="Equation.DSMT4">
+                <p:oleObj spid="_x0000_s61706" name="Equation" r:id="rId23" imgW="2184120" imgH="228600" progId="Equation.DSMT4">
                   <p:embed/>
                 </p:oleObj>
               </mc:Choice>
@@ -37241,7 +37238,7 @@
           <a:graphicData uri="http://schemas.openxmlformats.org/presentationml/2006/ole">
             <mc:AlternateContent xmlns:mc="http://schemas.openxmlformats.org/markup-compatibility/2006">
               <mc:Choice xmlns:v="urn:schemas-microsoft-com:vml" Requires="v">
-                <p:oleObj spid="_x0000_s61695" name="Equation" r:id="rId25" imgW="1841400" imgH="431640" progId="Equation.DSMT4">
+                <p:oleObj spid="_x0000_s61707" name="Equation" r:id="rId25" imgW="1841400" imgH="431640" progId="Equation.DSMT4">
                   <p:embed/>
                 </p:oleObj>
               </mc:Choice>
@@ -37476,7 +37473,7 @@
           <a:graphicData uri="http://schemas.openxmlformats.org/presentationml/2006/ole">
             <mc:AlternateContent xmlns:mc="http://schemas.openxmlformats.org/markup-compatibility/2006">
               <mc:Choice xmlns:v="urn:schemas-microsoft-com:vml" Requires="v">
-                <p:oleObj spid="_x0000_s62588" name="Equation" r:id="rId3" imgW="545760" imgH="228600" progId="Equation.DSMT4">
+                <p:oleObj spid="_x0000_s62594" name="Equation" r:id="rId3" imgW="545760" imgH="228600" progId="Equation.DSMT4">
                   <p:embed/>
                 </p:oleObj>
               </mc:Choice>
@@ -37565,7 +37562,7 @@
           <a:graphicData uri="http://schemas.openxmlformats.org/presentationml/2006/ole">
             <mc:AlternateContent xmlns:mc="http://schemas.openxmlformats.org/markup-compatibility/2006">
               <mc:Choice xmlns:v="urn:schemas-microsoft-com:vml" Requires="v">
-                <p:oleObj spid="_x0000_s62589" name="Equation" r:id="rId5" imgW="2463480" imgH="520560" progId="Equation.DSMT4">
+                <p:oleObj spid="_x0000_s62595" name="Equation" r:id="rId5" imgW="2463480" imgH="520560" progId="Equation.DSMT4">
                   <p:embed/>
                 </p:oleObj>
               </mc:Choice>
@@ -37660,7 +37657,7 @@
           <a:graphicData uri="http://schemas.openxmlformats.org/presentationml/2006/ole">
             <mc:AlternateContent xmlns:mc="http://schemas.openxmlformats.org/markup-compatibility/2006">
               <mc:Choice xmlns:v="urn:schemas-microsoft-com:vml" Requires="v">
-                <p:oleObj spid="_x0000_s62590" name="Equation" r:id="rId7" imgW="190440" imgH="241200" progId="Equation.DSMT4">
+                <p:oleObj spid="_x0000_s62596" name="Equation" r:id="rId7" imgW="190440" imgH="241200" progId="Equation.DSMT4">
                   <p:embed/>
                 </p:oleObj>
               </mc:Choice>
@@ -37755,7 +37752,7 @@
           <a:graphicData uri="http://schemas.openxmlformats.org/presentationml/2006/ole">
             <mc:AlternateContent xmlns:mc="http://schemas.openxmlformats.org/markup-compatibility/2006">
               <mc:Choice xmlns:v="urn:schemas-microsoft-com:vml" Requires="v">
-                <p:oleObj spid="_x0000_s62591" name="Equation" r:id="rId9" imgW="241200" imgH="253800" progId="Equation.DSMT4">
+                <p:oleObj spid="_x0000_s62597" name="Equation" r:id="rId9" imgW="241200" imgH="253800" progId="Equation.DSMT4">
                   <p:embed/>
                 </p:oleObj>
               </mc:Choice>
@@ -37850,7 +37847,7 @@
           <a:graphicData uri="http://schemas.openxmlformats.org/presentationml/2006/ole">
             <mc:AlternateContent xmlns:mc="http://schemas.openxmlformats.org/markup-compatibility/2006">
               <mc:Choice xmlns:v="urn:schemas-microsoft-com:vml" Requires="v">
-                <p:oleObj spid="_x0000_s62592" name="Equation" r:id="rId11" imgW="177480" imgH="228600" progId="Equation.DSMT4">
+                <p:oleObj spid="_x0000_s62598" name="Equation" r:id="rId11" imgW="177480" imgH="228600" progId="Equation.DSMT4">
                   <p:embed/>
                 </p:oleObj>
               </mc:Choice>
@@ -37945,7 +37942,7 @@
           <a:graphicData uri="http://schemas.openxmlformats.org/presentationml/2006/ole">
             <mc:AlternateContent xmlns:mc="http://schemas.openxmlformats.org/markup-compatibility/2006">
               <mc:Choice xmlns:v="urn:schemas-microsoft-com:vml" Requires="v">
-                <p:oleObj spid="_x0000_s62593" name="Equation" r:id="rId13" imgW="152280" imgH="228600" progId="Equation.DSMT4">
+                <p:oleObj spid="_x0000_s62599" name="Equation" r:id="rId13" imgW="152280" imgH="228600" progId="Equation.DSMT4">
                   <p:embed/>
                 </p:oleObj>
               </mc:Choice>
@@ -38244,7 +38241,7 @@
           <a:graphicData uri="http://schemas.openxmlformats.org/presentationml/2006/ole">
             <mc:AlternateContent xmlns:mc="http://schemas.openxmlformats.org/markup-compatibility/2006">
               <mc:Choice xmlns:v="urn:schemas-microsoft-com:vml" Requires="v">
-                <p:oleObj spid="_x0000_s63652" name="Equation" r:id="rId3" imgW="1282680" imgH="469800" progId="Equation.DSMT4">
+                <p:oleObj spid="_x0000_s63660" name="Equation" r:id="rId3" imgW="1282680" imgH="469800" progId="Equation.DSMT4">
                   <p:embed/>
                 </p:oleObj>
               </mc:Choice>
@@ -38333,7 +38330,7 @@
           <a:graphicData uri="http://schemas.openxmlformats.org/presentationml/2006/ole">
             <mc:AlternateContent xmlns:mc="http://schemas.openxmlformats.org/markup-compatibility/2006">
               <mc:Choice xmlns:v="urn:schemas-microsoft-com:vml" Requires="v">
-                <p:oleObj spid="_x0000_s63653" name="Equation" r:id="rId5" imgW="736560" imgH="342720" progId="Equation.DSMT4">
+                <p:oleObj spid="_x0000_s63661" name="Equation" r:id="rId5" imgW="736560" imgH="342720" progId="Equation.DSMT4">
                   <p:embed/>
                 </p:oleObj>
               </mc:Choice>
@@ -38422,7 +38419,7 @@
           <a:graphicData uri="http://schemas.openxmlformats.org/presentationml/2006/ole">
             <mc:AlternateContent xmlns:mc="http://schemas.openxmlformats.org/markup-compatibility/2006">
               <mc:Choice xmlns:v="urn:schemas-microsoft-com:vml" Requires="v">
-                <p:oleObj spid="_x0000_s63654" name="Equation" r:id="rId7" imgW="177480" imgH="228600" progId="Equation.DSMT4">
+                <p:oleObj spid="_x0000_s63662" name="Equation" r:id="rId7" imgW="177480" imgH="228600" progId="Equation.DSMT4">
                   <p:embed/>
                 </p:oleObj>
               </mc:Choice>
@@ -38511,7 +38508,7 @@
           <a:graphicData uri="http://schemas.openxmlformats.org/presentationml/2006/ole">
             <mc:AlternateContent xmlns:mc="http://schemas.openxmlformats.org/markup-compatibility/2006">
               <mc:Choice xmlns:v="urn:schemas-microsoft-com:vml" Requires="v">
-                <p:oleObj spid="_x0000_s63655" name="Equation" r:id="rId9" imgW="774360" imgH="457200" progId="Equation.DSMT4">
+                <p:oleObj spid="_x0000_s63663" name="Equation" r:id="rId9" imgW="774360" imgH="457200" progId="Equation.DSMT4">
                   <p:embed/>
                 </p:oleObj>
               </mc:Choice>
@@ -38606,7 +38603,7 @@
           <a:graphicData uri="http://schemas.openxmlformats.org/presentationml/2006/ole">
             <mc:AlternateContent xmlns:mc="http://schemas.openxmlformats.org/markup-compatibility/2006">
               <mc:Choice xmlns:v="urn:schemas-microsoft-com:vml" Requires="v">
-                <p:oleObj spid="_x0000_s63656" name="Equation" r:id="rId11" imgW="177480" imgH="228600" progId="Equation.DSMT4">
+                <p:oleObj spid="_x0000_s63664" name="Equation" r:id="rId11" imgW="177480" imgH="228600" progId="Equation.DSMT4">
                   <p:embed/>
                 </p:oleObj>
               </mc:Choice>
@@ -38701,7 +38698,7 @@
           <a:graphicData uri="http://schemas.openxmlformats.org/presentationml/2006/ole">
             <mc:AlternateContent xmlns:mc="http://schemas.openxmlformats.org/markup-compatibility/2006">
               <mc:Choice xmlns:v="urn:schemas-microsoft-com:vml" Requires="v">
-                <p:oleObj spid="_x0000_s63657" name="Equation" r:id="rId13" imgW="380880" imgH="177480" progId="Equation.DSMT4">
+                <p:oleObj spid="_x0000_s63665" name="Equation" r:id="rId13" imgW="380880" imgH="177480" progId="Equation.DSMT4">
                   <p:embed/>
                 </p:oleObj>
               </mc:Choice>
@@ -38796,7 +38793,7 @@
           <a:graphicData uri="http://schemas.openxmlformats.org/presentationml/2006/ole">
             <mc:AlternateContent xmlns:mc="http://schemas.openxmlformats.org/markup-compatibility/2006">
               <mc:Choice xmlns:v="urn:schemas-microsoft-com:vml" Requires="v">
-                <p:oleObj spid="_x0000_s63658" name="Equation" r:id="rId15" imgW="355320" imgH="177480" progId="Equation.DSMT4">
+                <p:oleObj spid="_x0000_s63666" name="Equation" r:id="rId15" imgW="355320" imgH="177480" progId="Equation.DSMT4">
                   <p:embed/>
                 </p:oleObj>
               </mc:Choice>
@@ -38891,7 +38888,7 @@
           <a:graphicData uri="http://schemas.openxmlformats.org/presentationml/2006/ole">
             <mc:AlternateContent xmlns:mc="http://schemas.openxmlformats.org/markup-compatibility/2006">
               <mc:Choice xmlns:v="urn:schemas-microsoft-com:vml" Requires="v">
-                <p:oleObj spid="_x0000_s63659" name="Equation" r:id="rId17" imgW="342720" imgH="177480" progId="Equation.DSMT4">
+                <p:oleObj spid="_x0000_s63667" name="Equation" r:id="rId17" imgW="342720" imgH="177480" progId="Equation.DSMT4">
                   <p:embed/>
                 </p:oleObj>
               </mc:Choice>
@@ -39326,7 +39323,6 @@
             <a:noFill/>
           </a:ln>
           <a:effectLst/>
-          <a:extLst/>
         </p:spPr>
         <p:txBody>
           <a:bodyPr wrap="none" anchor="ctr"/>
@@ -40020,7 +40016,7 @@
           <a:graphicData uri="http://schemas.openxmlformats.org/presentationml/2006/ole">
             <mc:AlternateContent xmlns:mc="http://schemas.openxmlformats.org/markup-compatibility/2006">
               <mc:Choice xmlns:v="urn:schemas-microsoft-com:vml" Requires="v">
-                <p:oleObj spid="_x0000_s21528" name="Equation" r:id="rId3" imgW="2247840" imgH="253800" progId="Equation.DSMT4">
+                <p:oleObj spid="_x0000_s21529" name="Equation" r:id="rId3" imgW="2247840" imgH="253800" progId="Equation.DSMT4">
                   <p:embed/>
                 </p:oleObj>
               </mc:Choice>

--- a/materials/slides/ch07.pptx
+++ b/materials/slides/ch07.pptx
@@ -6422,12 +6422,16 @@
             <a:buNone/>
           </a:pPr>
           <a:r>
-            <a:rPr lang="zh-CN" altLang="en-US" sz="1500" kern="1200" dirty="0">
+            <a:rPr lang="zh-CN" sz="1500" kern="1200" dirty="0">
               <a:latin typeface="微软雅黑" pitchFamily="34" charset="-122"/>
               <a:ea typeface="微软雅黑" pitchFamily="34" charset="-122"/>
             </a:rPr>
             <a:t>在构造树的过程中，需要对数据集进行多次的顺序扫描和排序，因而导致算法的低效</a:t>
           </a:r>
+          <a:endParaRPr lang="zh-CN" altLang="en-US" sz="1500" kern="1200" dirty="0">
+            <a:latin typeface="微软雅黑" pitchFamily="34" charset="-122"/>
+            <a:ea typeface="微软雅黑" pitchFamily="34" charset="-122"/>
+          </a:endParaRPr>
         </a:p>
       </dsp:txBody>
       <dsp:txXfrm>
@@ -15608,6 +15612,7 @@
           <a:ln>
             <a:noFill/>
           </a:ln>
+          <a:extLst/>
         </p:spPr>
         <p:txBody>
           <a:bodyPr>
@@ -15827,6 +15832,7 @@
           <a:ln>
             <a:noFill/>
           </a:ln>
+          <a:extLst/>
         </p:spPr>
         <p:txBody>
           <a:bodyPr wrap="none" anchor="ctr"/>
@@ -15978,6 +15984,7 @@
           <a:ln>
             <a:noFill/>
           </a:ln>
+          <a:extLst/>
         </p:spPr>
         <p:txBody>
           <a:bodyPr wrap="none" anchor="ctr"/>
@@ -16125,6 +16132,7 @@
           <a:ln>
             <a:noFill/>
           </a:ln>
+          <a:extLst/>
         </p:spPr>
         <p:txBody>
           <a:bodyPr/>
@@ -17677,7 +17685,7 @@
               <a:pPr>
                 <a:defRPr/>
               </a:pPr>
-              <a:t>2019/7/16</a:t>
+              <a:t>2018/3/28</a:t>
             </a:fld>
             <a:endParaRPr lang="zh-CN" altLang="en-US"/>
           </a:p>
@@ -17996,7 +18004,7 @@
               <a:pPr>
                 <a:defRPr/>
               </a:pPr>
-              <a:t>2019/7/16</a:t>
+              <a:t>2018/3/28</a:t>
             </a:fld>
             <a:endParaRPr lang="zh-CN" altLang="en-US"/>
           </a:p>
@@ -19419,7 +19427,7 @@
           <a:graphicData uri="http://schemas.openxmlformats.org/presentationml/2006/ole">
             <mc:AlternateContent xmlns:mc="http://schemas.openxmlformats.org/markup-compatibility/2006">
               <mc:Choice xmlns:v="urn:schemas-microsoft-com:vml" Requires="v">
-                <p:oleObj spid="_x0000_s26693" name="Equation" r:id="rId3" imgW="838080" imgH="431640" progId="Equation.DSMT4">
+                <p:oleObj spid="_x0000_s26690" name="Equation" r:id="rId3" imgW="838080" imgH="431640" progId="Equation.DSMT4">
                   <p:embed/>
                 </p:oleObj>
               </mc:Choice>
@@ -19514,7 +19522,7 @@
           <a:graphicData uri="http://schemas.openxmlformats.org/presentationml/2006/ole">
             <mc:AlternateContent xmlns:mc="http://schemas.openxmlformats.org/markup-compatibility/2006">
               <mc:Choice xmlns:v="urn:schemas-microsoft-com:vml" Requires="v">
-                <p:oleObj spid="_x0000_s26694" name="Equation" r:id="rId5" imgW="672840" imgH="393480" progId="Equation.DSMT4">
+                <p:oleObj spid="_x0000_s26691" name="Equation" r:id="rId5" imgW="672840" imgH="393480" progId="Equation.DSMT4">
                   <p:embed/>
                 </p:oleObj>
               </mc:Choice>
@@ -19711,7 +19719,7 @@
           <a:graphicData uri="http://schemas.openxmlformats.org/presentationml/2006/ole">
             <mc:AlternateContent xmlns:mc="http://schemas.openxmlformats.org/markup-compatibility/2006">
               <mc:Choice xmlns:v="urn:schemas-microsoft-com:vml" Requires="v">
-                <p:oleObj spid="_x0000_s26695" name="Equation" r:id="rId9" imgW="596880" imgH="203040" progId="Equation.DSMT4">
+                <p:oleObj spid="_x0000_s26692" name="Equation" r:id="rId9" imgW="596880" imgH="203040" progId="Equation.DSMT4">
                   <p:embed/>
                 </p:oleObj>
               </mc:Choice>
@@ -19859,7 +19867,7 @@
           <a:graphicData uri="http://schemas.openxmlformats.org/presentationml/2006/ole">
             <mc:AlternateContent xmlns:mc="http://schemas.openxmlformats.org/markup-compatibility/2006">
               <mc:Choice xmlns:v="urn:schemas-microsoft-com:vml" Requires="v">
-                <p:oleObj spid="_x0000_s27694" name="Equation" r:id="rId3" imgW="533160" imgH="228600" progId="Equation.DSMT4">
+                <p:oleObj spid="_x0000_s27692" name="Equation" r:id="rId3" imgW="533160" imgH="228600" progId="Equation.DSMT4">
                   <p:embed/>
                 </p:oleObj>
               </mc:Choice>
@@ -19954,7 +19962,7 @@
           <a:graphicData uri="http://schemas.openxmlformats.org/presentationml/2006/ole">
             <mc:AlternateContent xmlns:mc="http://schemas.openxmlformats.org/markup-compatibility/2006">
               <mc:Choice xmlns:v="urn:schemas-microsoft-com:vml" Requires="v">
-                <p:oleObj spid="_x0000_s27695" name="Equation" r:id="rId5" imgW="3632040" imgH="406080" progId="Equation.DSMT4">
+                <p:oleObj spid="_x0000_s27693" name="Equation" r:id="rId5" imgW="3632040" imgH="406080" progId="Equation.DSMT4">
                   <p:embed/>
                 </p:oleObj>
               </mc:Choice>
@@ -23584,7 +23592,7 @@
           <a:graphicData uri="http://schemas.openxmlformats.org/presentationml/2006/ole">
             <mc:AlternateContent xmlns:mc="http://schemas.openxmlformats.org/markup-compatibility/2006">
               <mc:Choice xmlns:v="urn:schemas-microsoft-com:vml" Requires="v">
-                <p:oleObj spid="_x0000_s34842" name="Equation" r:id="rId3" imgW="2019240" imgH="228600" progId="Equation.DSMT4">
+                <p:oleObj spid="_x0000_s34841" name="Equation" r:id="rId3" imgW="2019240" imgH="228600" progId="Equation.DSMT4">
                   <p:embed/>
                 </p:oleObj>
               </mc:Choice>
@@ -29542,7 +29550,7 @@
           <a:graphicData uri="http://schemas.openxmlformats.org/presentationml/2006/ole">
             <mc:AlternateContent xmlns:mc="http://schemas.openxmlformats.org/markup-compatibility/2006">
               <mc:Choice xmlns:v="urn:schemas-microsoft-com:vml" Requires="v">
-                <p:oleObj spid="_x0000_s49450" name="Equation" r:id="rId3" imgW="228600" imgH="241200" progId="Equation.DSMT4">
+                <p:oleObj spid="_x0000_s49436" name="Equation" r:id="rId3" imgW="228600" imgH="241200" progId="Equation.DSMT4">
                   <p:embed/>
                 </p:oleObj>
               </mc:Choice>
@@ -29631,7 +29639,7 @@
           <a:graphicData uri="http://schemas.openxmlformats.org/presentationml/2006/ole">
             <mc:AlternateContent xmlns:mc="http://schemas.openxmlformats.org/markup-compatibility/2006">
               <mc:Choice xmlns:v="urn:schemas-microsoft-com:vml" Requires="v">
-                <p:oleObj spid="_x0000_s49451" name="Equation" r:id="rId5" imgW="495000" imgH="241200" progId="Equation.DSMT4">
+                <p:oleObj spid="_x0000_s49437" name="Equation" r:id="rId5" imgW="495000" imgH="241200" progId="Equation.DSMT4">
                   <p:embed/>
                 </p:oleObj>
               </mc:Choice>
@@ -29720,7 +29728,7 @@
           <a:graphicData uri="http://schemas.openxmlformats.org/presentationml/2006/ole">
             <mc:AlternateContent xmlns:mc="http://schemas.openxmlformats.org/markup-compatibility/2006">
               <mc:Choice xmlns:v="urn:schemas-microsoft-com:vml" Requires="v">
-                <p:oleObj spid="_x0000_s49452" name="Equation" r:id="rId7" imgW="253800" imgH="203040" progId="Equation.DSMT4">
+                <p:oleObj spid="_x0000_s49438" name="Equation" r:id="rId7" imgW="253800" imgH="203040" progId="Equation.DSMT4">
                   <p:embed/>
                 </p:oleObj>
               </mc:Choice>
@@ -29809,7 +29817,7 @@
           <a:graphicData uri="http://schemas.openxmlformats.org/presentationml/2006/ole">
             <mc:AlternateContent xmlns:mc="http://schemas.openxmlformats.org/markup-compatibility/2006">
               <mc:Choice xmlns:v="urn:schemas-microsoft-com:vml" Requires="v">
-                <p:oleObj spid="_x0000_s49453" name="Equation" r:id="rId9" imgW="2349360" imgH="241200" progId="Equation.DSMT4">
+                <p:oleObj spid="_x0000_s49439" name="Equation" r:id="rId9" imgW="2349360" imgH="241200" progId="Equation.DSMT4">
                   <p:embed/>
                 </p:oleObj>
               </mc:Choice>
@@ -29898,7 +29906,7 @@
           <a:graphicData uri="http://schemas.openxmlformats.org/presentationml/2006/ole">
             <mc:AlternateContent xmlns:mc="http://schemas.openxmlformats.org/markup-compatibility/2006">
               <mc:Choice xmlns:v="urn:schemas-microsoft-com:vml" Requires="v">
-                <p:oleObj spid="_x0000_s49454" name="Equation" r:id="rId11" imgW="2349360" imgH="241200" progId="Equation.DSMT4">
+                <p:oleObj spid="_x0000_s49440" name="Equation" r:id="rId11" imgW="2349360" imgH="241200" progId="Equation.DSMT4">
                   <p:embed/>
                 </p:oleObj>
               </mc:Choice>
@@ -29987,7 +29995,7 @@
           <a:graphicData uri="http://schemas.openxmlformats.org/presentationml/2006/ole">
             <mc:AlternateContent xmlns:mc="http://schemas.openxmlformats.org/markup-compatibility/2006">
               <mc:Choice xmlns:v="urn:schemas-microsoft-com:vml" Requires="v">
-                <p:oleObj spid="_x0000_s49455" name="Equation" r:id="rId13" imgW="2349360" imgH="241200" progId="Equation.DSMT4">
+                <p:oleObj spid="_x0000_s49441" name="Equation" r:id="rId13" imgW="2349360" imgH="241200" progId="Equation.DSMT4">
                   <p:embed/>
                 </p:oleObj>
               </mc:Choice>
@@ -30076,7 +30084,7 @@
           <a:graphicData uri="http://schemas.openxmlformats.org/presentationml/2006/ole">
             <mc:AlternateContent xmlns:mc="http://schemas.openxmlformats.org/markup-compatibility/2006">
               <mc:Choice xmlns:v="urn:schemas-microsoft-com:vml" Requires="v">
-                <p:oleObj spid="_x0000_s49456" name="Equation" r:id="rId15" imgW="228600" imgH="241200" progId="Equation.DSMT4">
+                <p:oleObj spid="_x0000_s49442" name="Equation" r:id="rId15" imgW="228600" imgH="241200" progId="Equation.DSMT4">
                   <p:embed/>
                 </p:oleObj>
               </mc:Choice>
@@ -30165,7 +30173,7 @@
           <a:graphicData uri="http://schemas.openxmlformats.org/presentationml/2006/ole">
             <mc:AlternateContent xmlns:mc="http://schemas.openxmlformats.org/markup-compatibility/2006">
               <mc:Choice xmlns:v="urn:schemas-microsoft-com:vml" Requires="v">
-                <p:oleObj spid="_x0000_s49457" name="Equation" r:id="rId17" imgW="1295280" imgH="444240" progId="Equation.DSMT4">
+                <p:oleObj spid="_x0000_s49443" name="Equation" r:id="rId17" imgW="1295280" imgH="444240" progId="Equation.DSMT4">
                   <p:embed/>
                 </p:oleObj>
               </mc:Choice>
@@ -30254,7 +30262,7 @@
           <a:graphicData uri="http://schemas.openxmlformats.org/presentationml/2006/ole">
             <mc:AlternateContent xmlns:mc="http://schemas.openxmlformats.org/markup-compatibility/2006">
               <mc:Choice xmlns:v="urn:schemas-microsoft-com:vml" Requires="v">
-                <p:oleObj spid="_x0000_s49458" name="Equation" r:id="rId19" imgW="736560" imgH="241200" progId="Equation.DSMT4">
+                <p:oleObj spid="_x0000_s49444" name="Equation" r:id="rId19" imgW="736560" imgH="241200" progId="Equation.DSMT4">
                   <p:embed/>
                 </p:oleObj>
               </mc:Choice>
@@ -30343,7 +30351,7 @@
           <a:graphicData uri="http://schemas.openxmlformats.org/presentationml/2006/ole">
             <mc:AlternateContent xmlns:mc="http://schemas.openxmlformats.org/markup-compatibility/2006">
               <mc:Choice xmlns:v="urn:schemas-microsoft-com:vml" Requires="v">
-                <p:oleObj spid="_x0000_s49459" name="Equation" r:id="rId21" imgW="1231560" imgH="482400" progId="Equation.DSMT4">
+                <p:oleObj spid="_x0000_s49445" name="Equation" r:id="rId21" imgW="1231560" imgH="482400" progId="Equation.DSMT4">
                   <p:embed/>
                 </p:oleObj>
               </mc:Choice>
@@ -30432,7 +30440,7 @@
           <a:graphicData uri="http://schemas.openxmlformats.org/presentationml/2006/ole">
             <mc:AlternateContent xmlns:mc="http://schemas.openxmlformats.org/markup-compatibility/2006">
               <mc:Choice xmlns:v="urn:schemas-microsoft-com:vml" Requires="v">
-                <p:oleObj spid="_x0000_s49460" name="Equation" r:id="rId23" imgW="1041120" imgH="203040" progId="Equation.DSMT4">
+                <p:oleObj spid="_x0000_s49446" name="Equation" r:id="rId23" imgW="1041120" imgH="203040" progId="Equation.DSMT4">
                   <p:embed/>
                 </p:oleObj>
               </mc:Choice>
@@ -30521,7 +30529,7 @@
           <a:graphicData uri="http://schemas.openxmlformats.org/presentationml/2006/ole">
             <mc:AlternateContent xmlns:mc="http://schemas.openxmlformats.org/markup-compatibility/2006">
               <mc:Choice xmlns:v="urn:schemas-microsoft-com:vml" Requires="v">
-                <p:oleObj spid="_x0000_s49461" name="Equation" r:id="rId25" imgW="838080" imgH="228600" progId="Equation.DSMT4">
+                <p:oleObj spid="_x0000_s49447" name="Equation" r:id="rId25" imgW="838080" imgH="228600" progId="Equation.DSMT4">
                   <p:embed/>
                 </p:oleObj>
               </mc:Choice>
@@ -30610,7 +30618,7 @@
           <a:graphicData uri="http://schemas.openxmlformats.org/presentationml/2006/ole">
             <mc:AlternateContent xmlns:mc="http://schemas.openxmlformats.org/markup-compatibility/2006">
               <mc:Choice xmlns:v="urn:schemas-microsoft-com:vml" Requires="v">
-                <p:oleObj spid="_x0000_s49462" name="Equation" r:id="rId27" imgW="1206360" imgH="203040" progId="Equation.DSMT4">
+                <p:oleObj spid="_x0000_s49448" name="Equation" r:id="rId27" imgW="1206360" imgH="203040" progId="Equation.DSMT4">
                   <p:embed/>
                 </p:oleObj>
               </mc:Choice>
@@ -30699,7 +30707,7 @@
           <a:graphicData uri="http://schemas.openxmlformats.org/presentationml/2006/ole">
             <mc:AlternateContent xmlns:mc="http://schemas.openxmlformats.org/markup-compatibility/2006">
               <mc:Choice xmlns:v="urn:schemas-microsoft-com:vml" Requires="v">
-                <p:oleObj spid="_x0000_s49463" name="Equation" r:id="rId29" imgW="1409400" imgH="253800" progId="Equation.DSMT4">
+                <p:oleObj spid="_x0000_s49449" name="Equation" r:id="rId29" imgW="1409400" imgH="253800" progId="Equation.DSMT4">
                   <p:embed/>
                 </p:oleObj>
               </mc:Choice>
@@ -30884,7 +30892,7 @@
           <a:graphicData uri="http://schemas.openxmlformats.org/presentationml/2006/ole">
             <mc:AlternateContent xmlns:mc="http://schemas.openxmlformats.org/markup-compatibility/2006">
               <mc:Choice xmlns:v="urn:schemas-microsoft-com:vml" Requires="v">
-                <p:oleObj spid="_x0000_s50202" name="Equation" r:id="rId3" imgW="469800" imgH="241200" progId="Equation.DSMT4">
+                <p:oleObj spid="_x0000_s50201" name="Equation" r:id="rId3" imgW="469800" imgH="241200" progId="Equation.DSMT4">
                   <p:embed/>
                 </p:oleObj>
               </mc:Choice>
@@ -31243,7 +31251,7 @@
           <a:graphicData uri="http://schemas.openxmlformats.org/presentationml/2006/ole">
             <mc:AlternateContent xmlns:mc="http://schemas.openxmlformats.org/markup-compatibility/2006">
               <mc:Choice xmlns:v="urn:schemas-microsoft-com:vml" Requires="v">
-                <p:oleObj spid="_x0000_s51330" name="Equation" r:id="rId3" imgW="1625400" imgH="228600" progId="Equation.DSMT4">
+                <p:oleObj spid="_x0000_s51324" name="Equation" r:id="rId3" imgW="1625400" imgH="228600" progId="Equation.DSMT4">
                   <p:embed/>
                 </p:oleObj>
               </mc:Choice>
@@ -31332,7 +31340,7 @@
           <a:graphicData uri="http://schemas.openxmlformats.org/presentationml/2006/ole">
             <mc:AlternateContent xmlns:mc="http://schemas.openxmlformats.org/markup-compatibility/2006">
               <mc:Choice xmlns:v="urn:schemas-microsoft-com:vml" Requires="v">
-                <p:oleObj spid="_x0000_s51331" name="Equation" r:id="rId5" imgW="609480" imgH="228600" progId="Equation.DSMT4">
+                <p:oleObj spid="_x0000_s51325" name="Equation" r:id="rId5" imgW="609480" imgH="228600" progId="Equation.DSMT4">
                   <p:embed/>
                 </p:oleObj>
               </mc:Choice>
@@ -31421,7 +31429,7 @@
           <a:graphicData uri="http://schemas.openxmlformats.org/presentationml/2006/ole">
             <mc:AlternateContent xmlns:mc="http://schemas.openxmlformats.org/markup-compatibility/2006">
               <mc:Choice xmlns:v="urn:schemas-microsoft-com:vml" Requires="v">
-                <p:oleObj spid="_x0000_s51332" name="Equation" r:id="rId7" imgW="2311200" imgH="393480" progId="Equation.DSMT4">
+                <p:oleObj spid="_x0000_s51326" name="Equation" r:id="rId7" imgW="2311200" imgH="393480" progId="Equation.DSMT4">
                   <p:embed/>
                 </p:oleObj>
               </mc:Choice>
@@ -31510,7 +31518,7 @@
           <a:graphicData uri="http://schemas.openxmlformats.org/presentationml/2006/ole">
             <mc:AlternateContent xmlns:mc="http://schemas.openxmlformats.org/markup-compatibility/2006">
               <mc:Choice xmlns:v="urn:schemas-microsoft-com:vml" Requires="v">
-                <p:oleObj spid="_x0000_s51333" name="Equation" r:id="rId9" imgW="3301920" imgH="457200" progId="Equation.DSMT4">
+                <p:oleObj spid="_x0000_s51327" name="Equation" r:id="rId9" imgW="3301920" imgH="457200" progId="Equation.DSMT4">
                   <p:embed/>
                 </p:oleObj>
               </mc:Choice>
@@ -31599,7 +31607,7 @@
           <a:graphicData uri="http://schemas.openxmlformats.org/presentationml/2006/ole">
             <mc:AlternateContent xmlns:mc="http://schemas.openxmlformats.org/markup-compatibility/2006">
               <mc:Choice xmlns:v="urn:schemas-microsoft-com:vml" Requires="v">
-                <p:oleObj spid="_x0000_s51334" name="Equation" r:id="rId11" imgW="1815840" imgH="444240" progId="Equation.DSMT4">
+                <p:oleObj spid="_x0000_s51328" name="Equation" r:id="rId11" imgW="1815840" imgH="444240" progId="Equation.DSMT4">
                   <p:embed/>
                 </p:oleObj>
               </mc:Choice>
@@ -31688,7 +31696,7 @@
           <a:graphicData uri="http://schemas.openxmlformats.org/presentationml/2006/ole">
             <mc:AlternateContent xmlns:mc="http://schemas.openxmlformats.org/markup-compatibility/2006">
               <mc:Choice xmlns:v="urn:schemas-microsoft-com:vml" Requires="v">
-                <p:oleObj spid="_x0000_s51335" name="Equation" r:id="rId13" imgW="1612800" imgH="431640" progId="Equation.DSMT4">
+                <p:oleObj spid="_x0000_s51329" name="Equation" r:id="rId13" imgW="1612800" imgH="431640" progId="Equation.DSMT4">
                   <p:embed/>
                 </p:oleObj>
               </mc:Choice>
@@ -32231,7 +32239,7 @@
           <a:graphicData uri="http://schemas.openxmlformats.org/presentationml/2006/ole">
             <mc:AlternateContent xmlns:mc="http://schemas.openxmlformats.org/markup-compatibility/2006">
               <mc:Choice xmlns:v="urn:schemas-microsoft-com:vml" Requires="v">
-                <p:oleObj spid="_x0000_s53420" name="Equation" r:id="rId3" imgW="571320" imgH="228600" progId="Equation.DSMT4">
+                <p:oleObj spid="_x0000_s53412" name="Equation" r:id="rId3" imgW="571320" imgH="228600" progId="Equation.DSMT4">
                   <p:embed/>
                 </p:oleObj>
               </mc:Choice>
@@ -32320,7 +32328,7 @@
           <a:graphicData uri="http://schemas.openxmlformats.org/presentationml/2006/ole">
             <mc:AlternateContent xmlns:mc="http://schemas.openxmlformats.org/markup-compatibility/2006">
               <mc:Choice xmlns:v="urn:schemas-microsoft-com:vml" Requires="v">
-                <p:oleObj spid="_x0000_s53421" name="Equation" r:id="rId5" imgW="203040" imgH="241200" progId="Equation.DSMT4">
+                <p:oleObj spid="_x0000_s53413" name="Equation" r:id="rId5" imgW="203040" imgH="241200" progId="Equation.DSMT4">
                   <p:embed/>
                 </p:oleObj>
               </mc:Choice>
@@ -32409,7 +32417,7 @@
           <a:graphicData uri="http://schemas.openxmlformats.org/presentationml/2006/ole">
             <mc:AlternateContent xmlns:mc="http://schemas.openxmlformats.org/markup-compatibility/2006">
               <mc:Choice xmlns:v="urn:schemas-microsoft-com:vml" Requires="v">
-                <p:oleObj spid="_x0000_s53422" name="Equation" r:id="rId7" imgW="152280" imgH="228600" progId="Equation.DSMT4">
+                <p:oleObj spid="_x0000_s53414" name="Equation" r:id="rId7" imgW="152280" imgH="228600" progId="Equation.DSMT4">
                   <p:embed/>
                 </p:oleObj>
               </mc:Choice>
@@ -32498,7 +32506,7 @@
           <a:graphicData uri="http://schemas.openxmlformats.org/presentationml/2006/ole">
             <mc:AlternateContent xmlns:mc="http://schemas.openxmlformats.org/markup-compatibility/2006">
               <mc:Choice xmlns:v="urn:schemas-microsoft-com:vml" Requires="v">
-                <p:oleObj spid="_x0000_s53423" name="Equation" r:id="rId9" imgW="1714320" imgH="228600" progId="Equation.DSMT4">
+                <p:oleObj spid="_x0000_s53415" name="Equation" r:id="rId9" imgW="1714320" imgH="228600" progId="Equation.DSMT4">
                   <p:embed/>
                 </p:oleObj>
               </mc:Choice>
@@ -32587,7 +32595,7 @@
           <a:graphicData uri="http://schemas.openxmlformats.org/presentationml/2006/ole">
             <mc:AlternateContent xmlns:mc="http://schemas.openxmlformats.org/markup-compatibility/2006">
               <mc:Choice xmlns:v="urn:schemas-microsoft-com:vml" Requires="v">
-                <p:oleObj spid="_x0000_s53424" name="Equation" r:id="rId11" imgW="1257120" imgH="228600" progId="Equation.DSMT4">
+                <p:oleObj spid="_x0000_s53416" name="Equation" r:id="rId11" imgW="1257120" imgH="228600" progId="Equation.DSMT4">
                   <p:embed/>
                 </p:oleObj>
               </mc:Choice>
@@ -32676,7 +32684,7 @@
           <a:graphicData uri="http://schemas.openxmlformats.org/presentationml/2006/ole">
             <mc:AlternateContent xmlns:mc="http://schemas.openxmlformats.org/markup-compatibility/2006">
               <mc:Choice xmlns:v="urn:schemas-microsoft-com:vml" Requires="v">
-                <p:oleObj spid="_x0000_s53425" name="Equation" r:id="rId13" imgW="1803240" imgH="228600" progId="Equation.DSMT4">
+                <p:oleObj spid="_x0000_s53417" name="Equation" r:id="rId13" imgW="1803240" imgH="228600" progId="Equation.DSMT4">
                   <p:embed/>
                 </p:oleObj>
               </mc:Choice>
@@ -32765,7 +32773,7 @@
           <a:graphicData uri="http://schemas.openxmlformats.org/presentationml/2006/ole">
             <mc:AlternateContent xmlns:mc="http://schemas.openxmlformats.org/markup-compatibility/2006">
               <mc:Choice xmlns:v="urn:schemas-microsoft-com:vml" Requires="v">
-                <p:oleObj spid="_x0000_s53426" name="Equation" r:id="rId15" imgW="1892160" imgH="253800" progId="Equation.DSMT4">
+                <p:oleObj spid="_x0000_s53418" name="Equation" r:id="rId15" imgW="1892160" imgH="253800" progId="Equation.DSMT4">
                   <p:embed/>
                 </p:oleObj>
               </mc:Choice>
@@ -32854,7 +32862,7 @@
           <a:graphicData uri="http://schemas.openxmlformats.org/presentationml/2006/ole">
             <mc:AlternateContent xmlns:mc="http://schemas.openxmlformats.org/markup-compatibility/2006">
               <mc:Choice xmlns:v="urn:schemas-microsoft-com:vml" Requires="v">
-                <p:oleObj spid="_x0000_s53427" name="Equation" r:id="rId17" imgW="1473120" imgH="253800" progId="Equation.DSMT4">
+                <p:oleObj spid="_x0000_s53419" name="Equation" r:id="rId17" imgW="1473120" imgH="253800" progId="Equation.DSMT4">
                   <p:embed/>
                 </p:oleObj>
               </mc:Choice>
@@ -33389,11 +33397,6 @@
               <a:rPr lang="zh-CN" altLang="zh-CN" dirty="0"/>
               <a:t>回归分析是一项预测性的建模技术。它的目的是通过建立模型来研究因变量和自变量之间的显著关系，即多个自变量对（一个）因变量的影响强度，预测数值型的目标值。</a:t>
             </a:r>
-            <a:r>
-              <a:rPr lang="en-US" altLang="zh-CN"/>
-              <a:t> </a:t>
-            </a:r>
-            <a:endParaRPr lang="zh-CN" altLang="zh-CN" dirty="0"/>
           </a:p>
           <a:p>
             <a:r>
@@ -36199,7 +36202,7 @@
           <a:graphicData uri="http://schemas.openxmlformats.org/presentationml/2006/ole">
             <mc:AlternateContent xmlns:mc="http://schemas.openxmlformats.org/markup-compatibility/2006">
               <mc:Choice xmlns:v="urn:schemas-microsoft-com:vml" Requires="v">
-                <p:oleObj spid="_x0000_s61696" name="Equation" r:id="rId3" imgW="495000" imgH="228600" progId="Equation.DSMT4">
+                <p:oleObj spid="_x0000_s61684" name="Equation" r:id="rId3" imgW="495000" imgH="228600" progId="Equation.DSMT4">
                   <p:embed/>
                 </p:oleObj>
               </mc:Choice>
@@ -36294,7 +36297,7 @@
           <a:graphicData uri="http://schemas.openxmlformats.org/presentationml/2006/ole">
             <mc:AlternateContent xmlns:mc="http://schemas.openxmlformats.org/markup-compatibility/2006">
               <mc:Choice xmlns:v="urn:schemas-microsoft-com:vml" Requires="v">
-                <p:oleObj spid="_x0000_s61697" name="Equation" r:id="rId5" imgW="330120" imgH="228600" progId="Equation.DSMT4">
+                <p:oleObj spid="_x0000_s61685" name="Equation" r:id="rId5" imgW="330120" imgH="228600" progId="Equation.DSMT4">
                   <p:embed/>
                 </p:oleObj>
               </mc:Choice>
@@ -36389,7 +36392,7 @@
           <a:graphicData uri="http://schemas.openxmlformats.org/presentationml/2006/ole">
             <mc:AlternateContent xmlns:mc="http://schemas.openxmlformats.org/markup-compatibility/2006">
               <mc:Choice xmlns:v="urn:schemas-microsoft-com:vml" Requires="v">
-                <p:oleObj spid="_x0000_s61698" name="Equation" r:id="rId7" imgW="177480" imgH="228600" progId="Equation.DSMT4">
+                <p:oleObj spid="_x0000_s61686" name="Equation" r:id="rId7" imgW="177480" imgH="228600" progId="Equation.DSMT4">
                   <p:embed/>
                 </p:oleObj>
               </mc:Choice>
@@ -36478,7 +36481,7 @@
           <a:graphicData uri="http://schemas.openxmlformats.org/presentationml/2006/ole">
             <mc:AlternateContent xmlns:mc="http://schemas.openxmlformats.org/markup-compatibility/2006">
               <mc:Choice xmlns:v="urn:schemas-microsoft-com:vml" Requires="v">
-                <p:oleObj spid="_x0000_s61699" name="Equation" r:id="rId9" imgW="2476440" imgH="431640" progId="Equation.DSMT4">
+                <p:oleObj spid="_x0000_s61687" name="Equation" r:id="rId9" imgW="2476440" imgH="431640" progId="Equation.DSMT4">
                   <p:embed/>
                 </p:oleObj>
               </mc:Choice>
@@ -36573,7 +36576,7 @@
           <a:graphicData uri="http://schemas.openxmlformats.org/presentationml/2006/ole">
             <mc:AlternateContent xmlns:mc="http://schemas.openxmlformats.org/markup-compatibility/2006">
               <mc:Choice xmlns:v="urn:schemas-microsoft-com:vml" Requires="v">
-                <p:oleObj spid="_x0000_s61700" name="Equation" r:id="rId11" imgW="1904760" imgH="431640" progId="Equation.DSMT4">
+                <p:oleObj spid="_x0000_s61688" name="Equation" r:id="rId11" imgW="1904760" imgH="431640" progId="Equation.DSMT4">
                   <p:embed/>
                 </p:oleObj>
               </mc:Choice>
@@ -36668,7 +36671,7 @@
           <a:graphicData uri="http://schemas.openxmlformats.org/presentationml/2006/ole">
             <mc:AlternateContent xmlns:mc="http://schemas.openxmlformats.org/markup-compatibility/2006">
               <mc:Choice xmlns:v="urn:schemas-microsoft-com:vml" Requires="v">
-                <p:oleObj spid="_x0000_s61701" name="Equation" r:id="rId13" imgW="761760" imgH="228600" progId="Equation.DSMT4">
+                <p:oleObj spid="_x0000_s61689" name="Equation" r:id="rId13" imgW="761760" imgH="228600" progId="Equation.DSMT4">
                   <p:embed/>
                 </p:oleObj>
               </mc:Choice>
@@ -36763,7 +36766,7 @@
           <a:graphicData uri="http://schemas.openxmlformats.org/presentationml/2006/ole">
             <mc:AlternateContent xmlns:mc="http://schemas.openxmlformats.org/markup-compatibility/2006">
               <mc:Choice xmlns:v="urn:schemas-microsoft-com:vml" Requires="v">
-                <p:oleObj spid="_x0000_s61702" name="Equation" r:id="rId15" imgW="977760" imgH="228600" progId="Equation.DSMT4">
+                <p:oleObj spid="_x0000_s61690" name="Equation" r:id="rId15" imgW="977760" imgH="228600" progId="Equation.DSMT4">
                   <p:embed/>
                 </p:oleObj>
               </mc:Choice>
@@ -36858,7 +36861,7 @@
           <a:graphicData uri="http://schemas.openxmlformats.org/presentationml/2006/ole">
             <mc:AlternateContent xmlns:mc="http://schemas.openxmlformats.org/markup-compatibility/2006">
               <mc:Choice xmlns:v="urn:schemas-microsoft-com:vml" Requires="v">
-                <p:oleObj spid="_x0000_s61703" name="Equation" r:id="rId17" imgW="990360" imgH="228600" progId="Equation.DSMT4">
+                <p:oleObj spid="_x0000_s61691" name="Equation" r:id="rId17" imgW="990360" imgH="228600" progId="Equation.DSMT4">
                   <p:embed/>
                 </p:oleObj>
               </mc:Choice>
@@ -36953,7 +36956,7 @@
           <a:graphicData uri="http://schemas.openxmlformats.org/presentationml/2006/ole">
             <mc:AlternateContent xmlns:mc="http://schemas.openxmlformats.org/markup-compatibility/2006">
               <mc:Choice xmlns:v="urn:schemas-microsoft-com:vml" Requires="v">
-                <p:oleObj spid="_x0000_s61704" name="Equation" r:id="rId19" imgW="1320480" imgH="228600" progId="Equation.DSMT4">
+                <p:oleObj spid="_x0000_s61692" name="Equation" r:id="rId19" imgW="1320480" imgH="228600" progId="Equation.DSMT4">
                   <p:embed/>
                 </p:oleObj>
               </mc:Choice>
@@ -37048,7 +37051,7 @@
           <a:graphicData uri="http://schemas.openxmlformats.org/presentationml/2006/ole">
             <mc:AlternateContent xmlns:mc="http://schemas.openxmlformats.org/markup-compatibility/2006">
               <mc:Choice xmlns:v="urn:schemas-microsoft-com:vml" Requires="v">
-                <p:oleObj spid="_x0000_s61705" name="Equation" r:id="rId21" imgW="1346040" imgH="228600" progId="Equation.DSMT4">
+                <p:oleObj spid="_x0000_s61693" name="Equation" r:id="rId21" imgW="1346040" imgH="228600" progId="Equation.DSMT4">
                   <p:embed/>
                 </p:oleObj>
               </mc:Choice>
@@ -37143,7 +37146,7 @@
           <a:graphicData uri="http://schemas.openxmlformats.org/presentationml/2006/ole">
             <mc:AlternateContent xmlns:mc="http://schemas.openxmlformats.org/markup-compatibility/2006">
               <mc:Choice xmlns:v="urn:schemas-microsoft-com:vml" Requires="v">
-                <p:oleObj spid="_x0000_s61706" name="Equation" r:id="rId23" imgW="2184120" imgH="228600" progId="Equation.DSMT4">
+                <p:oleObj spid="_x0000_s61694" name="Equation" r:id="rId23" imgW="2184120" imgH="228600" progId="Equation.DSMT4">
                   <p:embed/>
                 </p:oleObj>
               </mc:Choice>
@@ -37238,7 +37241,7 @@
           <a:graphicData uri="http://schemas.openxmlformats.org/presentationml/2006/ole">
             <mc:AlternateContent xmlns:mc="http://schemas.openxmlformats.org/markup-compatibility/2006">
               <mc:Choice xmlns:v="urn:schemas-microsoft-com:vml" Requires="v">
-                <p:oleObj spid="_x0000_s61707" name="Equation" r:id="rId25" imgW="1841400" imgH="431640" progId="Equation.DSMT4">
+                <p:oleObj spid="_x0000_s61695" name="Equation" r:id="rId25" imgW="1841400" imgH="431640" progId="Equation.DSMT4">
                   <p:embed/>
                 </p:oleObj>
               </mc:Choice>
@@ -37473,7 +37476,7 @@
           <a:graphicData uri="http://schemas.openxmlformats.org/presentationml/2006/ole">
             <mc:AlternateContent xmlns:mc="http://schemas.openxmlformats.org/markup-compatibility/2006">
               <mc:Choice xmlns:v="urn:schemas-microsoft-com:vml" Requires="v">
-                <p:oleObj spid="_x0000_s62594" name="Equation" r:id="rId3" imgW="545760" imgH="228600" progId="Equation.DSMT4">
+                <p:oleObj spid="_x0000_s62588" name="Equation" r:id="rId3" imgW="545760" imgH="228600" progId="Equation.DSMT4">
                   <p:embed/>
                 </p:oleObj>
               </mc:Choice>
@@ -37562,7 +37565,7 @@
           <a:graphicData uri="http://schemas.openxmlformats.org/presentationml/2006/ole">
             <mc:AlternateContent xmlns:mc="http://schemas.openxmlformats.org/markup-compatibility/2006">
               <mc:Choice xmlns:v="urn:schemas-microsoft-com:vml" Requires="v">
-                <p:oleObj spid="_x0000_s62595" name="Equation" r:id="rId5" imgW="2463480" imgH="520560" progId="Equation.DSMT4">
+                <p:oleObj spid="_x0000_s62589" name="Equation" r:id="rId5" imgW="2463480" imgH="520560" progId="Equation.DSMT4">
                   <p:embed/>
                 </p:oleObj>
               </mc:Choice>
@@ -37657,7 +37660,7 @@
           <a:graphicData uri="http://schemas.openxmlformats.org/presentationml/2006/ole">
             <mc:AlternateContent xmlns:mc="http://schemas.openxmlformats.org/markup-compatibility/2006">
               <mc:Choice xmlns:v="urn:schemas-microsoft-com:vml" Requires="v">
-                <p:oleObj spid="_x0000_s62596" name="Equation" r:id="rId7" imgW="190440" imgH="241200" progId="Equation.DSMT4">
+                <p:oleObj spid="_x0000_s62590" name="Equation" r:id="rId7" imgW="190440" imgH="241200" progId="Equation.DSMT4">
                   <p:embed/>
                 </p:oleObj>
               </mc:Choice>
@@ -37752,7 +37755,7 @@
           <a:graphicData uri="http://schemas.openxmlformats.org/presentationml/2006/ole">
             <mc:AlternateContent xmlns:mc="http://schemas.openxmlformats.org/markup-compatibility/2006">
               <mc:Choice xmlns:v="urn:schemas-microsoft-com:vml" Requires="v">
-                <p:oleObj spid="_x0000_s62597" name="Equation" r:id="rId9" imgW="241200" imgH="253800" progId="Equation.DSMT4">
+                <p:oleObj spid="_x0000_s62591" name="Equation" r:id="rId9" imgW="241200" imgH="253800" progId="Equation.DSMT4">
                   <p:embed/>
                 </p:oleObj>
               </mc:Choice>
@@ -37847,7 +37850,7 @@
           <a:graphicData uri="http://schemas.openxmlformats.org/presentationml/2006/ole">
             <mc:AlternateContent xmlns:mc="http://schemas.openxmlformats.org/markup-compatibility/2006">
               <mc:Choice xmlns:v="urn:schemas-microsoft-com:vml" Requires="v">
-                <p:oleObj spid="_x0000_s62598" name="Equation" r:id="rId11" imgW="177480" imgH="228600" progId="Equation.DSMT4">
+                <p:oleObj spid="_x0000_s62592" name="Equation" r:id="rId11" imgW="177480" imgH="228600" progId="Equation.DSMT4">
                   <p:embed/>
                 </p:oleObj>
               </mc:Choice>
@@ -37942,7 +37945,7 @@
           <a:graphicData uri="http://schemas.openxmlformats.org/presentationml/2006/ole">
             <mc:AlternateContent xmlns:mc="http://schemas.openxmlformats.org/markup-compatibility/2006">
               <mc:Choice xmlns:v="urn:schemas-microsoft-com:vml" Requires="v">
-                <p:oleObj spid="_x0000_s62599" name="Equation" r:id="rId13" imgW="152280" imgH="228600" progId="Equation.DSMT4">
+                <p:oleObj spid="_x0000_s62593" name="Equation" r:id="rId13" imgW="152280" imgH="228600" progId="Equation.DSMT4">
                   <p:embed/>
                 </p:oleObj>
               </mc:Choice>
@@ -38241,7 +38244,7 @@
           <a:graphicData uri="http://schemas.openxmlformats.org/presentationml/2006/ole">
             <mc:AlternateContent xmlns:mc="http://schemas.openxmlformats.org/markup-compatibility/2006">
               <mc:Choice xmlns:v="urn:schemas-microsoft-com:vml" Requires="v">
-                <p:oleObj spid="_x0000_s63660" name="Equation" r:id="rId3" imgW="1282680" imgH="469800" progId="Equation.DSMT4">
+                <p:oleObj spid="_x0000_s63652" name="Equation" r:id="rId3" imgW="1282680" imgH="469800" progId="Equation.DSMT4">
                   <p:embed/>
                 </p:oleObj>
               </mc:Choice>
@@ -38330,7 +38333,7 @@
           <a:graphicData uri="http://schemas.openxmlformats.org/presentationml/2006/ole">
             <mc:AlternateContent xmlns:mc="http://schemas.openxmlformats.org/markup-compatibility/2006">
               <mc:Choice xmlns:v="urn:schemas-microsoft-com:vml" Requires="v">
-                <p:oleObj spid="_x0000_s63661" name="Equation" r:id="rId5" imgW="736560" imgH="342720" progId="Equation.DSMT4">
+                <p:oleObj spid="_x0000_s63653" name="Equation" r:id="rId5" imgW="736560" imgH="342720" progId="Equation.DSMT4">
                   <p:embed/>
                 </p:oleObj>
               </mc:Choice>
@@ -38419,7 +38422,7 @@
           <a:graphicData uri="http://schemas.openxmlformats.org/presentationml/2006/ole">
             <mc:AlternateContent xmlns:mc="http://schemas.openxmlformats.org/markup-compatibility/2006">
               <mc:Choice xmlns:v="urn:schemas-microsoft-com:vml" Requires="v">
-                <p:oleObj spid="_x0000_s63662" name="Equation" r:id="rId7" imgW="177480" imgH="228600" progId="Equation.DSMT4">
+                <p:oleObj spid="_x0000_s63654" name="Equation" r:id="rId7" imgW="177480" imgH="228600" progId="Equation.DSMT4">
                   <p:embed/>
                 </p:oleObj>
               </mc:Choice>
@@ -38508,7 +38511,7 @@
           <a:graphicData uri="http://schemas.openxmlformats.org/presentationml/2006/ole">
             <mc:AlternateContent xmlns:mc="http://schemas.openxmlformats.org/markup-compatibility/2006">
               <mc:Choice xmlns:v="urn:schemas-microsoft-com:vml" Requires="v">
-                <p:oleObj spid="_x0000_s63663" name="Equation" r:id="rId9" imgW="774360" imgH="457200" progId="Equation.DSMT4">
+                <p:oleObj spid="_x0000_s63655" name="Equation" r:id="rId9" imgW="774360" imgH="457200" progId="Equation.DSMT4">
                   <p:embed/>
                 </p:oleObj>
               </mc:Choice>
@@ -38603,7 +38606,7 @@
           <a:graphicData uri="http://schemas.openxmlformats.org/presentationml/2006/ole">
             <mc:AlternateContent xmlns:mc="http://schemas.openxmlformats.org/markup-compatibility/2006">
               <mc:Choice xmlns:v="urn:schemas-microsoft-com:vml" Requires="v">
-                <p:oleObj spid="_x0000_s63664" name="Equation" r:id="rId11" imgW="177480" imgH="228600" progId="Equation.DSMT4">
+                <p:oleObj spid="_x0000_s63656" name="Equation" r:id="rId11" imgW="177480" imgH="228600" progId="Equation.DSMT4">
                   <p:embed/>
                 </p:oleObj>
               </mc:Choice>
@@ -38698,7 +38701,7 @@
           <a:graphicData uri="http://schemas.openxmlformats.org/presentationml/2006/ole">
             <mc:AlternateContent xmlns:mc="http://schemas.openxmlformats.org/markup-compatibility/2006">
               <mc:Choice xmlns:v="urn:schemas-microsoft-com:vml" Requires="v">
-                <p:oleObj spid="_x0000_s63665" name="Equation" r:id="rId13" imgW="380880" imgH="177480" progId="Equation.DSMT4">
+                <p:oleObj spid="_x0000_s63657" name="Equation" r:id="rId13" imgW="380880" imgH="177480" progId="Equation.DSMT4">
                   <p:embed/>
                 </p:oleObj>
               </mc:Choice>
@@ -38793,7 +38796,7 @@
           <a:graphicData uri="http://schemas.openxmlformats.org/presentationml/2006/ole">
             <mc:AlternateContent xmlns:mc="http://schemas.openxmlformats.org/markup-compatibility/2006">
               <mc:Choice xmlns:v="urn:schemas-microsoft-com:vml" Requires="v">
-                <p:oleObj spid="_x0000_s63666" name="Equation" r:id="rId15" imgW="355320" imgH="177480" progId="Equation.DSMT4">
+                <p:oleObj spid="_x0000_s63658" name="Equation" r:id="rId15" imgW="355320" imgH="177480" progId="Equation.DSMT4">
                   <p:embed/>
                 </p:oleObj>
               </mc:Choice>
@@ -38888,7 +38891,7 @@
           <a:graphicData uri="http://schemas.openxmlformats.org/presentationml/2006/ole">
             <mc:AlternateContent xmlns:mc="http://schemas.openxmlformats.org/markup-compatibility/2006">
               <mc:Choice xmlns:v="urn:schemas-microsoft-com:vml" Requires="v">
-                <p:oleObj spid="_x0000_s63667" name="Equation" r:id="rId17" imgW="342720" imgH="177480" progId="Equation.DSMT4">
+                <p:oleObj spid="_x0000_s63659" name="Equation" r:id="rId17" imgW="342720" imgH="177480" progId="Equation.DSMT4">
                   <p:embed/>
                 </p:oleObj>
               </mc:Choice>
@@ -39323,6 +39326,7 @@
             <a:noFill/>
           </a:ln>
           <a:effectLst/>
+          <a:extLst/>
         </p:spPr>
         <p:txBody>
           <a:bodyPr wrap="none" anchor="ctr"/>
@@ -40016,7 +40020,7 @@
           <a:graphicData uri="http://schemas.openxmlformats.org/presentationml/2006/ole">
             <mc:AlternateContent xmlns:mc="http://schemas.openxmlformats.org/markup-compatibility/2006">
               <mc:Choice xmlns:v="urn:schemas-microsoft-com:vml" Requires="v">
-                <p:oleObj spid="_x0000_s21529" name="Equation" r:id="rId3" imgW="2247840" imgH="253800" progId="Equation.DSMT4">
+                <p:oleObj spid="_x0000_s21528" name="Equation" r:id="rId3" imgW="2247840" imgH="253800" progId="Equation.DSMT4">
                   <p:embed/>
                 </p:oleObj>
               </mc:Choice>
